--- a/Projet Elec Julien Valentin Arthur final.pptx
+++ b/Projet Elec Julien Valentin Arthur final.pptx
@@ -5,7 +5,7 @@
     <p:sldMasterId id="2147483678" r:id="rId1"/>
   </p:sldMasterIdLst>
   <p:notesMasterIdLst>
-    <p:notesMasterId r:id="rId7"/>
+    <p:notesMasterId r:id="rId8"/>
   </p:notesMasterIdLst>
   <p:sldIdLst>
     <p:sldId id="256" r:id="rId2"/>
@@ -13,6 +13,7 @@
     <p:sldId id="262" r:id="rId4"/>
     <p:sldId id="259" r:id="rId5"/>
     <p:sldId id="260" r:id="rId6"/>
+    <p:sldId id="264" r:id="rId7"/>
   </p:sldIdLst>
   <p:sldSz cx="12192000" cy="6858000"/>
   <p:notesSz cx="6858000" cy="9144000"/>
@@ -532,15 +533,7 @@
           <a:p>
             <a:r>
               <a:rPr lang="fr-FR" dirty="0"/>
-              <a:t>Nous allons </a:t>
-            </a:r>
-            <a:r>
-              <a:rPr lang="fr-FR" dirty="0" err="1"/>
-              <a:t>presenter</a:t>
-            </a:r>
-            <a:r>
-              <a:rPr lang="fr-FR" dirty="0"/>
-              <a:t> notre projet réalisé par …</a:t>
+              <a:t>Nous allons présenter notre projet réalisé par …</a:t>
             </a:r>
           </a:p>
         </p:txBody>
@@ -776,6 +769,9 @@
             </a:r>
           </a:p>
           <a:p>
+            <a:endParaRPr lang="fr-FR" baseline="0" dirty="0"/>
+          </a:p>
+          <a:p>
             <a:r>
               <a:rPr lang="fr-FR" baseline="0" dirty="0" err="1"/>
               <a:t>Exp</a:t>
@@ -1121,6 +1117,90 @@
             <a:endParaRPr lang="fr-FR" baseline="0" dirty="0"/>
           </a:p>
           <a:p>
+            <a:endParaRPr lang="fr-FR" dirty="0"/>
+          </a:p>
+        </p:txBody>
+      </p:sp>
+      <p:sp>
+        <p:nvSpPr>
+          <p:cNvPr id="4" name="Espace réservé du numéro de diapositive 3"/>
+          <p:cNvSpPr>
+            <a:spLocks noGrp="1"/>
+          </p:cNvSpPr>
+          <p:nvPr>
+            <p:ph type="sldNum" sz="quarter" idx="10"/>
+          </p:nvPr>
+        </p:nvSpPr>
+        <p:spPr/>
+        <p:txBody>
+          <a:bodyPr/>
+          <a:lstStyle/>
+          <a:p>
+            <a:fld id="{5316AAA5-8A77-41D1-A054-4CEF0A16E7A3}" type="slidenum">
+              <a:rPr lang="fr-FR" smtClean="0"/>
+              <a:t>5</a:t>
+            </a:fld>
+            <a:endParaRPr lang="fr-FR"/>
+          </a:p>
+        </p:txBody>
+      </p:sp>
+    </p:spTree>
+    <p:extLst>
+      <p:ext uri="{BB962C8B-B14F-4D97-AF65-F5344CB8AC3E}">
+        <p14:creationId xmlns:p14="http://schemas.microsoft.com/office/powerpoint/2010/main" val="3363860660"/>
+      </p:ext>
+    </p:extLst>
+  </p:cSld>
+  <p:clrMapOvr>
+    <a:masterClrMapping/>
+  </p:clrMapOvr>
+</p:notes>
+</file>
+
+<file path=ppt/notesSlides/notesSlide6.xml><?xml version="1.0" encoding="utf-8"?>
+<p:notes xmlns:a="http://schemas.openxmlformats.org/drawingml/2006/main" xmlns:r="http://schemas.openxmlformats.org/officeDocument/2006/relationships" xmlns:p="http://schemas.openxmlformats.org/presentationml/2006/main">
+  <p:cSld>
+    <p:spTree>
+      <p:nvGrpSpPr>
+        <p:cNvPr id="1" name=""/>
+        <p:cNvGrpSpPr/>
+        <p:nvPr/>
+      </p:nvGrpSpPr>
+      <p:grpSpPr>
+        <a:xfrm>
+          <a:off x="0" y="0"/>
+          <a:ext cx="0" cy="0"/>
+          <a:chOff x="0" y="0"/>
+          <a:chExt cx="0" cy="0"/>
+        </a:xfrm>
+      </p:grpSpPr>
+      <p:sp>
+        <p:nvSpPr>
+          <p:cNvPr id="2" name="Espace réservé de l'image des diapositives 1"/>
+          <p:cNvSpPr>
+            <a:spLocks noGrp="1" noRot="1" noChangeAspect="1"/>
+          </p:cNvSpPr>
+          <p:nvPr>
+            <p:ph type="sldImg"/>
+          </p:nvPr>
+        </p:nvSpPr>
+        <p:spPr/>
+      </p:sp>
+      <p:sp>
+        <p:nvSpPr>
+          <p:cNvPr id="3" name="Espace réservé des notes 2"/>
+          <p:cNvSpPr>
+            <a:spLocks noGrp="1"/>
+          </p:cNvSpPr>
+          <p:nvPr>
+            <p:ph type="body" idx="1"/>
+          </p:nvPr>
+        </p:nvSpPr>
+        <p:spPr/>
+        <p:txBody>
+          <a:bodyPr/>
+          <a:lstStyle/>
+          <a:p>
             <a:r>
               <a:rPr lang="fr-FR" baseline="0" dirty="0"/>
               <a:t>Arthur pour le bilan : </a:t>
@@ -1158,7 +1238,7 @@
           <a:p>
             <a:fld id="{5316AAA5-8A77-41D1-A054-4CEF0A16E7A3}" type="slidenum">
               <a:rPr lang="fr-FR" smtClean="0"/>
-              <a:t>5</a:t>
+              <a:t>6</a:t>
             </a:fld>
             <a:endParaRPr lang="fr-FR"/>
           </a:p>
@@ -1167,7 +1247,7 @@
     </p:spTree>
     <p:extLst>
       <p:ext uri="{BB962C8B-B14F-4D97-AF65-F5344CB8AC3E}">
-        <p14:creationId xmlns:p14="http://schemas.microsoft.com/office/powerpoint/2010/main" val="3363860660"/>
+        <p14:creationId xmlns:p14="http://schemas.microsoft.com/office/powerpoint/2010/main" val="105379933"/>
       </p:ext>
     </p:extLst>
   </p:cSld>
@@ -8097,6 +8177,114 @@
     <p:extLst>
       <p:ext uri="{BB962C8B-B14F-4D97-AF65-F5344CB8AC3E}">
         <p14:creationId xmlns:p14="http://schemas.microsoft.com/office/powerpoint/2010/main" val="1416414834"/>
+      </p:ext>
+    </p:extLst>
+  </p:cSld>
+  <p:clrMapOvr>
+    <a:masterClrMapping/>
+  </p:clrMapOvr>
+  <p:transition spd="slow">
+    <p:wipe/>
+  </p:transition>
+</p:sld>
+</file>
+
+<file path=ppt/slides/slide6.xml><?xml version="1.0" encoding="utf-8"?>
+<p:sld xmlns:a="http://schemas.openxmlformats.org/drawingml/2006/main" xmlns:r="http://schemas.openxmlformats.org/officeDocument/2006/relationships" xmlns:p="http://schemas.openxmlformats.org/presentationml/2006/main">
+  <p:cSld>
+    <p:spTree>
+      <p:nvGrpSpPr>
+        <p:cNvPr id="1" name=""/>
+        <p:cNvGrpSpPr/>
+        <p:nvPr/>
+      </p:nvGrpSpPr>
+      <p:grpSpPr>
+        <a:xfrm>
+          <a:off x="0" y="0"/>
+          <a:ext cx="0" cy="0"/>
+          <a:chOff x="0" y="0"/>
+          <a:chExt cx="0" cy="0"/>
+        </a:xfrm>
+      </p:grpSpPr>
+      <p:sp>
+        <p:nvSpPr>
+          <p:cNvPr id="2" name="Titre 1"/>
+          <p:cNvSpPr>
+            <a:spLocks noGrp="1"/>
+          </p:cNvSpPr>
+          <p:nvPr>
+            <p:ph type="title"/>
+          </p:nvPr>
+        </p:nvSpPr>
+        <p:spPr>
+          <a:xfrm>
+            <a:off x="1396762" y="0"/>
+            <a:ext cx="10018713" cy="1752599"/>
+          </a:xfrm>
+        </p:spPr>
+        <p:txBody>
+          <a:bodyPr/>
+          <a:lstStyle/>
+          <a:p>
+            <a:r>
+              <a:rPr lang="fr-FR" dirty="0"/>
+              <a:t>Bilan </a:t>
+            </a:r>
+          </a:p>
+        </p:txBody>
+      </p:sp>
+      <p:sp>
+        <p:nvSpPr>
+          <p:cNvPr id="3" name="Espace réservé du contenu 2"/>
+          <p:cNvSpPr>
+            <a:spLocks noGrp="1"/>
+          </p:cNvSpPr>
+          <p:nvPr>
+            <p:ph idx="1"/>
+          </p:nvPr>
+        </p:nvSpPr>
+        <p:spPr/>
+        <p:txBody>
+          <a:bodyPr/>
+          <a:lstStyle/>
+          <a:p>
+            <a:r>
+              <a:rPr lang="fr-FR" dirty="0"/>
+              <a:t>Travail de groupe positif </a:t>
+            </a:r>
+          </a:p>
+          <a:p>
+            <a:r>
+              <a:rPr lang="fr-FR" dirty="0"/>
+              <a:t>Répartition du travail </a:t>
+            </a:r>
+          </a:p>
+          <a:p>
+            <a:r>
+              <a:rPr lang="fr-FR" dirty="0"/>
+              <a:t>Problèmes divers</a:t>
+            </a:r>
+          </a:p>
+          <a:p>
+            <a:pPr lvl="1"/>
+            <a:r>
+              <a:rPr lang="fr-FR" dirty="0"/>
+              <a:t>Mesures</a:t>
+            </a:r>
+          </a:p>
+          <a:p>
+            <a:pPr lvl="1"/>
+            <a:r>
+              <a:rPr lang="fr-FR" dirty="0"/>
+              <a:t>Programmes sources </a:t>
+            </a:r>
+          </a:p>
+        </p:txBody>
+      </p:sp>
+    </p:spTree>
+    <p:extLst>
+      <p:ext uri="{BB962C8B-B14F-4D97-AF65-F5344CB8AC3E}">
+        <p14:creationId xmlns:p14="http://schemas.microsoft.com/office/powerpoint/2010/main" val="3156998665"/>
       </p:ext>
     </p:extLst>
   </p:cSld>

--- a/Projet Elec Julien Valentin Arthur final.pptx
+++ b/Projet Elec Julien Valentin Arthur final.pptx
@@ -8247,6 +8247,12 @@
         <p:txBody>
           <a:bodyPr/>
           <a:lstStyle/>
+          <a:p>
+            <a:r>
+              <a:rPr lang="fr-FR"/>
+              <a:t>Connaissances </a:t>
+            </a:r>
+          </a:p>
           <a:p>
             <a:r>
               <a:rPr lang="fr-FR" dirty="0"/>
